--- a/너와 함께 II 2차.pptx
+++ b/너와 함께 II 2차.pptx
@@ -3338,8 +3338,32 @@
         </p:blipFill>
         <p:spPr>
           <a:xfrm>
-            <a:off x="1907666" y="2060828"/>
-            <a:ext cx="5688712" cy="4235784"/>
+            <a:off x="4572000" y="2345736"/>
+            <a:ext cx="4572000" cy="3523493"/>
+          </a:xfrm>
+          <a:prstGeom prst="rect">
+            <a:avLst/>
+          </a:prstGeom>
+        </p:spPr>
+      </p:pic>
+      <p:pic>
+        <p:nvPicPr>
+          <p:cNvPr id="5" name=""/>
+          <p:cNvPicPr>
+            <a:picLocks noChangeAspect="1"/>
+          </p:cNvPicPr>
+          <p:nvPr/>
+        </p:nvPicPr>
+        <p:blipFill rotWithShape="1">
+          <a:blip r:embed="rId3"/>
+          <a:stretch>
+            <a:fillRect/>
+          </a:stretch>
+        </p:blipFill>
+        <p:spPr>
+          <a:xfrm>
+            <a:off x="0" y="2345736"/>
+            <a:ext cx="4536567" cy="3523493"/>
           </a:xfrm>
           <a:prstGeom prst="rect">
             <a:avLst/>

--- a/너와 함께 II 2차.pptx
+++ b/너와 함께 II 2차.pptx
@@ -2,7 +2,7 @@
 <file path=ppt/presentation.xml><?xml version="1.0" encoding="utf-8"?>
 <p:presentation xmlns:r="http://schemas.openxmlformats.org/officeDocument/2006/relationships" xmlns:c="http://schemas.openxmlformats.org/drawingml/2006/chart" xmlns:a="http://schemas.openxmlformats.org/drawingml/2006/main" xmlns:dgm="http://schemas.openxmlformats.org/drawingml/2006/diagram" xmlns:dsp="http://schemas.microsoft.com/office/drawing/2008/diagram" xmlns:p="http://schemas.openxmlformats.org/presentationml/2006/main" saveSubsetFonts="1">
   <p:sldMasterIdLst>
-    <p:sldMasterId id="2147483718" r:id="rId1"/>
+    <p:sldMasterId id="2147483719" r:id="rId1"/>
   </p:sldMasterIdLst>
   <p:sldIdLst>
     <p:sldId id="256" r:id="rId2"/>
@@ -4526,20 +4526,8 @@
               <a:defRPr lang="ko-KR" altLang="en-US"/>
             </a:pPr>
             <a:r>
-              <a:rPr lang="en-US" altLang="ko-KR"/>
-              <a:t>Gibhub</a:t>
-            </a:r>
-            <a:r>
               <a:rPr lang="ko-KR" altLang="en-US"/>
-              <a:t> </a:t>
-            </a:r>
-            <a:r>
-              <a:rPr lang="en-US" altLang="ko-KR"/>
-              <a:t>Commits </a:t>
-            </a:r>
-            <a:r>
-              <a:rPr lang="ko-KR" altLang="en-US"/>
-              <a:t>그래프</a:t>
+              <a:t>개발진행</a:t>
             </a:r>
             <a:endParaRPr lang="ko-KR" altLang="en-US"/>
           </a:p>
